--- a/output/modernWorship/Here-For-you.pptx
+++ b/output/modernWorship/Here-For-you.pptx
@@ -4141,7 +4141,7 @@
             </a:r>
             <a:br/>
             <a:r>
-              <a:t>Be welcomed in this place </a:t>
+              <a:t>Be welcomed in this place</a:t>
             </a:r>
             <a:br/>
           </a:p>
